--- a/images/NodeJsDojoImages.pptx
+++ b/images/NodeJsDojoImages.pptx
@@ -6,6 +6,7 @@
   </p:sldMasterIdLst>
   <p:sldIdLst>
     <p:sldId id="256" r:id="rId2"/>
+    <p:sldId id="257" r:id="rId3"/>
   </p:sldIdLst>
   <p:sldSz cx="12192000" cy="6858000"/>
   <p:notesSz cx="6858000" cy="9144000"/>
@@ -104,6 +105,11 @@
       </a:defRPr>
     </a:lvl9pPr>
   </p:defaultTextStyle>
+  <p:extLst>
+    <p:ext uri="{EFAFB233-063F-42B5-8137-9DF3F51BA10A}">
+      <p15:sldGuideLst xmlns:p15="http://schemas.microsoft.com/office/powerpoint/2012/main"/>
+    </p:ext>
+  </p:extLst>
 </p:presentation>
 </file>
 
@@ -238,7 +244,7 @@
           <a:p>
             <a:fld id="{C8A22E65-4CC9-4C01-A5DB-8B080C7BA43B}" type="datetimeFigureOut">
               <a:rPr lang="en-GB" smtClean="0"/>
-              <a:t>04/07/2018</a:t>
+              <a:t>05/07/2018</a:t>
             </a:fld>
             <a:endParaRPr lang="en-GB"/>
           </a:p>
@@ -408,7 +414,7 @@
           <a:p>
             <a:fld id="{C8A22E65-4CC9-4C01-A5DB-8B080C7BA43B}" type="datetimeFigureOut">
               <a:rPr lang="en-GB" smtClean="0"/>
-              <a:t>04/07/2018</a:t>
+              <a:t>05/07/2018</a:t>
             </a:fld>
             <a:endParaRPr lang="en-GB"/>
           </a:p>
@@ -588,7 +594,7 @@
           <a:p>
             <a:fld id="{C8A22E65-4CC9-4C01-A5DB-8B080C7BA43B}" type="datetimeFigureOut">
               <a:rPr lang="en-GB" smtClean="0"/>
-              <a:t>04/07/2018</a:t>
+              <a:t>05/07/2018</a:t>
             </a:fld>
             <a:endParaRPr lang="en-GB"/>
           </a:p>
@@ -758,7 +764,7 @@
           <a:p>
             <a:fld id="{C8A22E65-4CC9-4C01-A5DB-8B080C7BA43B}" type="datetimeFigureOut">
               <a:rPr lang="en-GB" smtClean="0"/>
-              <a:t>04/07/2018</a:t>
+              <a:t>05/07/2018</a:t>
             </a:fld>
             <a:endParaRPr lang="en-GB"/>
           </a:p>
@@ -1004,7 +1010,7 @@
           <a:p>
             <a:fld id="{C8A22E65-4CC9-4C01-A5DB-8B080C7BA43B}" type="datetimeFigureOut">
               <a:rPr lang="en-GB" smtClean="0"/>
-              <a:t>04/07/2018</a:t>
+              <a:t>05/07/2018</a:t>
             </a:fld>
             <a:endParaRPr lang="en-GB"/>
           </a:p>
@@ -1236,7 +1242,7 @@
           <a:p>
             <a:fld id="{C8A22E65-4CC9-4C01-A5DB-8B080C7BA43B}" type="datetimeFigureOut">
               <a:rPr lang="en-GB" smtClean="0"/>
-              <a:t>04/07/2018</a:t>
+              <a:t>05/07/2018</a:t>
             </a:fld>
             <a:endParaRPr lang="en-GB"/>
           </a:p>
@@ -1603,7 +1609,7 @@
           <a:p>
             <a:fld id="{C8A22E65-4CC9-4C01-A5DB-8B080C7BA43B}" type="datetimeFigureOut">
               <a:rPr lang="en-GB" smtClean="0"/>
-              <a:t>04/07/2018</a:t>
+              <a:t>05/07/2018</a:t>
             </a:fld>
             <a:endParaRPr lang="en-GB"/>
           </a:p>
@@ -1721,7 +1727,7 @@
           <a:p>
             <a:fld id="{C8A22E65-4CC9-4C01-A5DB-8B080C7BA43B}" type="datetimeFigureOut">
               <a:rPr lang="en-GB" smtClean="0"/>
-              <a:t>04/07/2018</a:t>
+              <a:t>05/07/2018</a:t>
             </a:fld>
             <a:endParaRPr lang="en-GB"/>
           </a:p>
@@ -1816,7 +1822,7 @@
           <a:p>
             <a:fld id="{C8A22E65-4CC9-4C01-A5DB-8B080C7BA43B}" type="datetimeFigureOut">
               <a:rPr lang="en-GB" smtClean="0"/>
-              <a:t>04/07/2018</a:t>
+              <a:t>05/07/2018</a:t>
             </a:fld>
             <a:endParaRPr lang="en-GB"/>
           </a:p>
@@ -2093,7 +2099,7 @@
           <a:p>
             <a:fld id="{C8A22E65-4CC9-4C01-A5DB-8B080C7BA43B}" type="datetimeFigureOut">
               <a:rPr lang="en-GB" smtClean="0"/>
-              <a:t>04/07/2018</a:t>
+              <a:t>05/07/2018</a:t>
             </a:fld>
             <a:endParaRPr lang="en-GB"/>
           </a:p>
@@ -2346,7 +2352,7 @@
           <a:p>
             <a:fld id="{C8A22E65-4CC9-4C01-A5DB-8B080C7BA43B}" type="datetimeFigureOut">
               <a:rPr lang="en-GB" smtClean="0"/>
-              <a:t>04/07/2018</a:t>
+              <a:t>05/07/2018</a:t>
             </a:fld>
             <a:endParaRPr lang="en-GB"/>
           </a:p>
@@ -2559,7 +2565,7 @@
           <a:p>
             <a:fld id="{C8A22E65-4CC9-4C01-A5DB-8B080C7BA43B}" type="datetimeFigureOut">
               <a:rPr lang="en-GB" smtClean="0"/>
-              <a:t>04/07/2018</a:t>
+              <a:t>05/07/2018</a:t>
             </a:fld>
             <a:endParaRPr lang="en-GB"/>
           </a:p>
@@ -4289,6 +4295,1137 @@
 </p:sld>
 </file>
 
+<file path=ppt/slides/slide2.xml><?xml version="1.0" encoding="utf-8"?>
+<p:sld xmlns:a="http://schemas.openxmlformats.org/drawingml/2006/main" xmlns:r="http://schemas.openxmlformats.org/officeDocument/2006/relationships" xmlns:p="http://schemas.openxmlformats.org/presentationml/2006/main">
+  <p:cSld>
+    <p:bg>
+      <p:bgPr>
+        <a:solidFill>
+          <a:schemeClr val="bg1">
+            <a:lumMod val="95000"/>
+          </a:schemeClr>
+        </a:solidFill>
+        <a:effectLst/>
+      </p:bgPr>
+    </p:bg>
+    <p:spTree>
+      <p:nvGrpSpPr>
+        <p:cNvPr id="1" name=""/>
+        <p:cNvGrpSpPr/>
+        <p:nvPr/>
+      </p:nvGrpSpPr>
+      <p:grpSpPr>
+        <a:xfrm>
+          <a:off x="0" y="0"/>
+          <a:ext cx="0" cy="0"/>
+          <a:chOff x="0" y="0"/>
+          <a:chExt cx="0" cy="0"/>
+        </a:xfrm>
+      </p:grpSpPr>
+      <p:grpSp>
+        <p:nvGrpSpPr>
+          <p:cNvPr id="39" name="Group 38"/>
+          <p:cNvGrpSpPr/>
+          <p:nvPr/>
+        </p:nvGrpSpPr>
+        <p:grpSpPr>
+          <a:xfrm>
+            <a:off x="727788" y="676529"/>
+            <a:ext cx="8569128" cy="5124197"/>
+            <a:chOff x="727788" y="676529"/>
+            <a:chExt cx="8569128" cy="5124197"/>
+          </a:xfrm>
+        </p:grpSpPr>
+        <p:sp>
+          <p:nvSpPr>
+            <p:cNvPr id="2" name="TextBox 1"/>
+            <p:cNvSpPr txBox="1"/>
+            <p:nvPr/>
+          </p:nvSpPr>
+          <p:spPr>
+            <a:xfrm>
+              <a:off x="727788" y="676529"/>
+              <a:ext cx="5635690" cy="369332"/>
+            </a:xfrm>
+            <a:prstGeom prst="rect">
+              <a:avLst/>
+            </a:prstGeom>
+            <a:noFill/>
+          </p:spPr>
+          <p:txBody>
+            <a:bodyPr wrap="square" rtlCol="0">
+              <a:spAutoFit/>
+            </a:bodyPr>
+            <a:lstStyle/>
+            <a:p>
+              <a:r>
+                <a:rPr lang="en-GB" b="1" dirty="0" err="1" smtClean="0">
+                  <a:latin typeface="Courier New" panose="02070309020205020404" pitchFamily="49" charset="0"/>
+                  <a:cs typeface="Courier New" panose="02070309020205020404" pitchFamily="49" charset="0"/>
+                </a:rPr>
+                <a:t>logMessageWithDelay</a:t>
+              </a:r>
+              <a:r>
+                <a:rPr lang="en-GB" b="1" dirty="0" smtClean="0">
+                  <a:latin typeface="Courier New" panose="02070309020205020404" pitchFamily="49" charset="0"/>
+                  <a:cs typeface="Courier New" panose="02070309020205020404" pitchFamily="49" charset="0"/>
+                </a:rPr>
+                <a:t>(</a:t>
+              </a:r>
+              <a:r>
+                <a:rPr lang="en-GB" dirty="0" smtClean="0">
+                  <a:latin typeface="Courier New" panose="02070309020205020404" pitchFamily="49" charset="0"/>
+                  <a:cs typeface="Courier New" panose="02070309020205020404" pitchFamily="49" charset="0"/>
+                </a:rPr>
+                <a:t>2000, "Message: 2"</a:t>
+              </a:r>
+              <a:r>
+                <a:rPr lang="en-GB" b="1" dirty="0" smtClean="0">
+                  <a:latin typeface="Courier New" panose="02070309020205020404" pitchFamily="49" charset="0"/>
+                  <a:cs typeface="Courier New" panose="02070309020205020404" pitchFamily="49" charset="0"/>
+                </a:rPr>
+                <a:t>)</a:t>
+              </a:r>
+              <a:endParaRPr lang="en-GB" b="1" dirty="0">
+                <a:latin typeface="Courier New" panose="02070309020205020404" pitchFamily="49" charset="0"/>
+                <a:cs typeface="Courier New" panose="02070309020205020404" pitchFamily="49" charset="0"/>
+              </a:endParaRPr>
+            </a:p>
+          </p:txBody>
+        </p:sp>
+        <p:sp>
+          <p:nvSpPr>
+            <p:cNvPr id="4" name="Rounded Rectangle 3"/>
+            <p:cNvSpPr/>
+            <p:nvPr/>
+          </p:nvSpPr>
+          <p:spPr>
+            <a:xfrm>
+              <a:off x="1040156" y="1441638"/>
+              <a:ext cx="3485191" cy="2444621"/>
+            </a:xfrm>
+            <a:prstGeom prst="roundRect">
+              <a:avLst>
+                <a:gd name="adj" fmla="val 6087"/>
+              </a:avLst>
+            </a:prstGeom>
+            <a:solidFill>
+              <a:schemeClr val="bg1"/>
+            </a:solidFill>
+            <a:ln/>
+          </p:spPr>
+          <p:style>
+            <a:lnRef idx="2">
+              <a:schemeClr val="accent1">
+                <a:shade val="50000"/>
+              </a:schemeClr>
+            </a:lnRef>
+            <a:fillRef idx="1">
+              <a:schemeClr val="accent1"/>
+            </a:fillRef>
+            <a:effectRef idx="0">
+              <a:schemeClr val="accent1"/>
+            </a:effectRef>
+            <a:fontRef idx="minor">
+              <a:schemeClr val="lt1"/>
+            </a:fontRef>
+          </p:style>
+          <p:txBody>
+            <a:bodyPr rtlCol="0" anchor="ctr"/>
+            <a:lstStyle/>
+            <a:p>
+              <a:pPr algn="ctr"/>
+              <a:endParaRPr lang="en-GB"/>
+            </a:p>
+          </p:txBody>
+        </p:sp>
+        <p:sp>
+          <p:nvSpPr>
+            <p:cNvPr id="5" name="TextBox 4"/>
+            <p:cNvSpPr txBox="1"/>
+            <p:nvPr/>
+          </p:nvSpPr>
+          <p:spPr>
+            <a:xfrm>
+              <a:off x="1761772" y="1545259"/>
+              <a:ext cx="2037084" cy="338554"/>
+            </a:xfrm>
+            <a:prstGeom prst="rect">
+              <a:avLst/>
+            </a:prstGeom>
+            <a:noFill/>
+          </p:spPr>
+          <p:txBody>
+            <a:bodyPr wrap="square" rtlCol="0">
+              <a:spAutoFit/>
+            </a:bodyPr>
+            <a:lstStyle/>
+            <a:p>
+              <a:pPr algn="ctr"/>
+              <a:r>
+                <a:rPr lang="en-GB" sz="1600" b="1" dirty="0" smtClean="0">
+                  <a:latin typeface="Courier New" panose="02070309020205020404" pitchFamily="49" charset="0"/>
+                  <a:cs typeface="Courier New" panose="02070309020205020404" pitchFamily="49" charset="0"/>
+                </a:rPr>
+                <a:t>V8 Call Stack</a:t>
+              </a:r>
+              <a:endParaRPr lang="en-GB" sz="1600" b="1" dirty="0" smtClean="0">
+                <a:latin typeface="Courier New" panose="02070309020205020404" pitchFamily="49" charset="0"/>
+                <a:cs typeface="Courier New" panose="02070309020205020404" pitchFamily="49" charset="0"/>
+              </a:endParaRPr>
+            </a:p>
+          </p:txBody>
+        </p:sp>
+        <p:sp>
+          <p:nvSpPr>
+            <p:cNvPr id="6" name="Rounded Rectangle 5"/>
+            <p:cNvSpPr/>
+            <p:nvPr/>
+          </p:nvSpPr>
+          <p:spPr>
+            <a:xfrm>
+              <a:off x="1254761" y="1968791"/>
+              <a:ext cx="3079101" cy="501351"/>
+            </a:xfrm>
+            <a:prstGeom prst="roundRect">
+              <a:avLst>
+                <a:gd name="adj" fmla="val 6087"/>
+              </a:avLst>
+            </a:prstGeom>
+            <a:noFill/>
+            <a:ln w="19050">
+              <a:prstDash val="lgDash"/>
+            </a:ln>
+          </p:spPr>
+          <p:style>
+            <a:lnRef idx="2">
+              <a:schemeClr val="accent1">
+                <a:shade val="50000"/>
+              </a:schemeClr>
+            </a:lnRef>
+            <a:fillRef idx="1">
+              <a:schemeClr val="accent1"/>
+            </a:fillRef>
+            <a:effectRef idx="0">
+              <a:schemeClr val="accent1"/>
+            </a:effectRef>
+            <a:fontRef idx="minor">
+              <a:schemeClr val="lt1"/>
+            </a:fontRef>
+          </p:style>
+          <p:txBody>
+            <a:bodyPr rtlCol="0" anchor="ctr"/>
+            <a:lstStyle/>
+            <a:p>
+              <a:pPr algn="ctr"/>
+              <a:endParaRPr lang="en-GB"/>
+            </a:p>
+          </p:txBody>
+        </p:sp>
+        <p:sp>
+          <p:nvSpPr>
+            <p:cNvPr id="7" name="TextBox 6"/>
+            <p:cNvSpPr txBox="1"/>
+            <p:nvPr/>
+          </p:nvSpPr>
+          <p:spPr>
+            <a:xfrm>
+              <a:off x="1254761" y="2080967"/>
+              <a:ext cx="3079101" cy="276999"/>
+            </a:xfrm>
+            <a:prstGeom prst="rect">
+              <a:avLst/>
+            </a:prstGeom>
+            <a:noFill/>
+          </p:spPr>
+          <p:txBody>
+            <a:bodyPr wrap="square" rtlCol="0">
+              <a:spAutoFit/>
+            </a:bodyPr>
+            <a:lstStyle/>
+            <a:p>
+              <a:pPr algn="ctr"/>
+              <a:r>
+                <a:rPr lang="en-GB" sz="1200" dirty="0" err="1" smtClean="0">
+                  <a:latin typeface="Courier New" panose="02070309020205020404" pitchFamily="49" charset="0"/>
+                  <a:cs typeface="Courier New" panose="02070309020205020404" pitchFamily="49" charset="0"/>
+                </a:rPr>
+                <a:t>setTimeout</a:t>
+              </a:r>
+              <a:r>
+                <a:rPr lang="en-GB" sz="1200" dirty="0" smtClean="0">
+                  <a:latin typeface="Courier New" panose="02070309020205020404" pitchFamily="49" charset="0"/>
+                  <a:cs typeface="Courier New" panose="02070309020205020404" pitchFamily="49" charset="0"/>
+                </a:rPr>
+                <a:t>(</a:t>
+              </a:r>
+              <a:r>
+                <a:rPr lang="en-GB" sz="1200" b="1" dirty="0" smtClean="0">
+                  <a:latin typeface="Courier New" panose="02070309020205020404" pitchFamily="49" charset="0"/>
+                  <a:cs typeface="Courier New" panose="02070309020205020404" pitchFamily="49" charset="0"/>
+                </a:rPr>
+                <a:t>() =&gt; { ... }</a:t>
+              </a:r>
+              <a:r>
+                <a:rPr lang="en-GB" sz="1200" dirty="0" smtClean="0">
+                  <a:latin typeface="Courier New" panose="02070309020205020404" pitchFamily="49" charset="0"/>
+                  <a:cs typeface="Courier New" panose="02070309020205020404" pitchFamily="49" charset="0"/>
+                </a:rPr>
+                <a:t>)</a:t>
+              </a:r>
+              <a:endParaRPr lang="en-GB" sz="1200" dirty="0">
+                <a:latin typeface="Courier New" panose="02070309020205020404" pitchFamily="49" charset="0"/>
+                <a:cs typeface="Courier New" panose="02070309020205020404" pitchFamily="49" charset="0"/>
+              </a:endParaRPr>
+            </a:p>
+          </p:txBody>
+        </p:sp>
+        <p:sp>
+          <p:nvSpPr>
+            <p:cNvPr id="8" name="Rounded Rectangle 7"/>
+            <p:cNvSpPr/>
+            <p:nvPr/>
+          </p:nvSpPr>
+          <p:spPr>
+            <a:xfrm>
+              <a:off x="1254761" y="2603273"/>
+              <a:ext cx="3079101" cy="501351"/>
+            </a:xfrm>
+            <a:prstGeom prst="roundRect">
+              <a:avLst>
+                <a:gd name="adj" fmla="val 6087"/>
+              </a:avLst>
+            </a:prstGeom>
+            <a:noFill/>
+            <a:ln w="19050">
+              <a:prstDash val="lgDash"/>
+            </a:ln>
+          </p:spPr>
+          <p:style>
+            <a:lnRef idx="2">
+              <a:schemeClr val="accent1">
+                <a:shade val="50000"/>
+              </a:schemeClr>
+            </a:lnRef>
+            <a:fillRef idx="1">
+              <a:schemeClr val="accent1"/>
+            </a:fillRef>
+            <a:effectRef idx="0">
+              <a:schemeClr val="accent1"/>
+            </a:effectRef>
+            <a:fontRef idx="minor">
+              <a:schemeClr val="lt1"/>
+            </a:fontRef>
+          </p:style>
+          <p:txBody>
+            <a:bodyPr rtlCol="0" anchor="ctr"/>
+            <a:lstStyle/>
+            <a:p>
+              <a:pPr algn="ctr"/>
+              <a:endParaRPr lang="en-GB"/>
+            </a:p>
+          </p:txBody>
+        </p:sp>
+        <p:sp>
+          <p:nvSpPr>
+            <p:cNvPr id="9" name="TextBox 8"/>
+            <p:cNvSpPr txBox="1"/>
+            <p:nvPr/>
+          </p:nvSpPr>
+          <p:spPr>
+            <a:xfrm>
+              <a:off x="1254762" y="2715449"/>
+              <a:ext cx="3079100" cy="276999"/>
+            </a:xfrm>
+            <a:prstGeom prst="rect">
+              <a:avLst/>
+            </a:prstGeom>
+            <a:noFill/>
+          </p:spPr>
+          <p:txBody>
+            <a:bodyPr wrap="square" rtlCol="0">
+              <a:spAutoFit/>
+            </a:bodyPr>
+            <a:lstStyle/>
+            <a:p>
+              <a:pPr algn="ctr"/>
+              <a:r>
+                <a:rPr lang="en-GB" sz="1200" dirty="0" err="1" smtClean="0">
+                  <a:latin typeface="Courier New" panose="02070309020205020404" pitchFamily="49" charset="0"/>
+                  <a:cs typeface="Courier New" panose="02070309020205020404" pitchFamily="49" charset="0"/>
+                </a:rPr>
+                <a:t>logMessageWithDelay</a:t>
+              </a:r>
+              <a:r>
+                <a:rPr lang="en-GB" sz="1200" dirty="0" smtClean="0">
+                  <a:latin typeface="Courier New" panose="02070309020205020404" pitchFamily="49" charset="0"/>
+                  <a:cs typeface="Courier New" panose="02070309020205020404" pitchFamily="49" charset="0"/>
+                </a:rPr>
+                <a:t>(</a:t>
+              </a:r>
+              <a:r>
+                <a:rPr lang="en-GB" sz="600" dirty="0" smtClean="0">
+                  <a:latin typeface="Courier New" panose="02070309020205020404" pitchFamily="49" charset="0"/>
+                  <a:cs typeface="Courier New" panose="02070309020205020404" pitchFamily="49" charset="0"/>
+                </a:rPr>
+                <a:t>2000, "Message: 2"</a:t>
+              </a:r>
+              <a:r>
+                <a:rPr lang="en-GB" sz="1200" dirty="0" smtClean="0">
+                  <a:latin typeface="Courier New" panose="02070309020205020404" pitchFamily="49" charset="0"/>
+                  <a:cs typeface="Courier New" panose="02070309020205020404" pitchFamily="49" charset="0"/>
+                </a:rPr>
+                <a:t>)</a:t>
+              </a:r>
+              <a:endParaRPr lang="en-GB" sz="1200" dirty="0">
+                <a:latin typeface="Courier New" panose="02070309020205020404" pitchFamily="49" charset="0"/>
+                <a:cs typeface="Courier New" panose="02070309020205020404" pitchFamily="49" charset="0"/>
+              </a:endParaRPr>
+            </a:p>
+          </p:txBody>
+        </p:sp>
+        <p:sp>
+          <p:nvSpPr>
+            <p:cNvPr id="10" name="Rounded Rectangle 9"/>
+            <p:cNvSpPr/>
+            <p:nvPr/>
+          </p:nvSpPr>
+          <p:spPr>
+            <a:xfrm>
+              <a:off x="1254761" y="3237755"/>
+              <a:ext cx="3079101" cy="501351"/>
+            </a:xfrm>
+            <a:prstGeom prst="roundRect">
+              <a:avLst>
+                <a:gd name="adj" fmla="val 6087"/>
+              </a:avLst>
+            </a:prstGeom>
+            <a:noFill/>
+            <a:ln w="19050">
+              <a:prstDash val="lgDash"/>
+            </a:ln>
+          </p:spPr>
+          <p:style>
+            <a:lnRef idx="2">
+              <a:schemeClr val="accent1">
+                <a:shade val="50000"/>
+              </a:schemeClr>
+            </a:lnRef>
+            <a:fillRef idx="1">
+              <a:schemeClr val="accent1"/>
+            </a:fillRef>
+            <a:effectRef idx="0">
+              <a:schemeClr val="accent1"/>
+            </a:effectRef>
+            <a:fontRef idx="minor">
+              <a:schemeClr val="lt1"/>
+            </a:fontRef>
+          </p:style>
+          <p:txBody>
+            <a:bodyPr rtlCol="0" anchor="ctr"/>
+            <a:lstStyle/>
+            <a:p>
+              <a:pPr algn="ctr"/>
+              <a:endParaRPr lang="en-GB"/>
+            </a:p>
+          </p:txBody>
+        </p:sp>
+        <p:sp>
+          <p:nvSpPr>
+            <p:cNvPr id="11" name="TextBox 10"/>
+            <p:cNvSpPr txBox="1"/>
+            <p:nvPr/>
+          </p:nvSpPr>
+          <p:spPr>
+            <a:xfrm>
+              <a:off x="1254761" y="3349931"/>
+              <a:ext cx="3079101" cy="276999"/>
+            </a:xfrm>
+            <a:prstGeom prst="rect">
+              <a:avLst/>
+            </a:prstGeom>
+            <a:noFill/>
+          </p:spPr>
+          <p:txBody>
+            <a:bodyPr wrap="square" rtlCol="0">
+              <a:spAutoFit/>
+            </a:bodyPr>
+            <a:lstStyle/>
+            <a:p>
+              <a:pPr algn="ctr"/>
+              <a:r>
+                <a:rPr lang="en-GB" sz="1200" dirty="0" smtClean="0">
+                  <a:latin typeface="Courier New" panose="02070309020205020404" pitchFamily="49" charset="0"/>
+                  <a:cs typeface="Courier New" panose="02070309020205020404" pitchFamily="49" charset="0"/>
+                </a:rPr>
+                <a:t>anonymous(...)</a:t>
+              </a:r>
+              <a:endParaRPr lang="en-GB" sz="1200" dirty="0">
+                <a:latin typeface="Courier New" panose="02070309020205020404" pitchFamily="49" charset="0"/>
+                <a:cs typeface="Courier New" panose="02070309020205020404" pitchFamily="49" charset="0"/>
+              </a:endParaRPr>
+            </a:p>
+          </p:txBody>
+        </p:sp>
+        <p:sp>
+          <p:nvSpPr>
+            <p:cNvPr id="12" name="Rounded Rectangle 11"/>
+            <p:cNvSpPr/>
+            <p:nvPr/>
+          </p:nvSpPr>
+          <p:spPr>
+            <a:xfrm>
+              <a:off x="4771819" y="1441638"/>
+              <a:ext cx="2939143" cy="2444621"/>
+            </a:xfrm>
+            <a:prstGeom prst="roundRect">
+              <a:avLst>
+                <a:gd name="adj" fmla="val 6087"/>
+              </a:avLst>
+            </a:prstGeom>
+            <a:solidFill>
+              <a:schemeClr val="bg1"/>
+            </a:solidFill>
+            <a:ln/>
+          </p:spPr>
+          <p:style>
+            <a:lnRef idx="2">
+              <a:schemeClr val="accent1">
+                <a:shade val="50000"/>
+              </a:schemeClr>
+            </a:lnRef>
+            <a:fillRef idx="1">
+              <a:schemeClr val="accent1"/>
+            </a:fillRef>
+            <a:effectRef idx="0">
+              <a:schemeClr val="accent1"/>
+            </a:effectRef>
+            <a:fontRef idx="minor">
+              <a:schemeClr val="lt1"/>
+            </a:fontRef>
+          </p:style>
+          <p:txBody>
+            <a:bodyPr rtlCol="0" anchor="ctr"/>
+            <a:lstStyle/>
+            <a:p>
+              <a:pPr algn="ctr"/>
+              <a:endParaRPr lang="en-GB"/>
+            </a:p>
+          </p:txBody>
+        </p:sp>
+        <p:sp>
+          <p:nvSpPr>
+            <p:cNvPr id="13" name="TextBox 12"/>
+            <p:cNvSpPr txBox="1"/>
+            <p:nvPr/>
+          </p:nvSpPr>
+          <p:spPr>
+            <a:xfrm>
+              <a:off x="5222848" y="1628197"/>
+              <a:ext cx="2037084" cy="338554"/>
+            </a:xfrm>
+            <a:prstGeom prst="rect">
+              <a:avLst/>
+            </a:prstGeom>
+            <a:noFill/>
+          </p:spPr>
+          <p:txBody>
+            <a:bodyPr wrap="square" rtlCol="0">
+              <a:spAutoFit/>
+            </a:bodyPr>
+            <a:lstStyle/>
+            <a:p>
+              <a:pPr algn="ctr"/>
+              <a:r>
+                <a:rPr lang="en-GB" sz="1600" b="1" dirty="0" smtClean="0">
+                  <a:latin typeface="Courier New" panose="02070309020205020404" pitchFamily="49" charset="0"/>
+                  <a:cs typeface="Courier New" panose="02070309020205020404" pitchFamily="49" charset="0"/>
+                </a:rPr>
+                <a:t>Node</a:t>
+              </a:r>
+              <a:endParaRPr lang="en-GB" sz="1600" b="1" dirty="0" smtClean="0">
+                <a:latin typeface="Courier New" panose="02070309020205020404" pitchFamily="49" charset="0"/>
+                <a:cs typeface="Courier New" panose="02070309020205020404" pitchFamily="49" charset="0"/>
+              </a:endParaRPr>
+            </a:p>
+          </p:txBody>
+        </p:sp>
+        <p:cxnSp>
+          <p:nvCxnSpPr>
+            <p:cNvPr id="15" name="Curved Connector 14"/>
+            <p:cNvCxnSpPr>
+              <a:stCxn id="2" idx="1"/>
+              <a:endCxn id="9" idx="1"/>
+            </p:cNvCxnSpPr>
+            <p:nvPr/>
+          </p:nvCxnSpPr>
+          <p:spPr>
+            <a:xfrm rot="10800000" flipH="1" flipV="1">
+              <a:off x="727788" y="861195"/>
+              <a:ext cx="526974" cy="1992754"/>
+            </a:xfrm>
+            <a:prstGeom prst="curvedConnector3">
+              <a:avLst>
+                <a:gd name="adj1" fmla="val -64627"/>
+              </a:avLst>
+            </a:prstGeom>
+            <a:ln>
+              <a:headEnd type="none" w="med" len="med"/>
+              <a:tailEnd type="triangle" w="med" len="med"/>
+            </a:ln>
+          </p:spPr>
+          <p:style>
+            <a:lnRef idx="1">
+              <a:schemeClr val="dk1"/>
+            </a:lnRef>
+            <a:fillRef idx="0">
+              <a:schemeClr val="dk1"/>
+            </a:fillRef>
+            <a:effectRef idx="0">
+              <a:schemeClr val="dk1"/>
+            </a:effectRef>
+            <a:fontRef idx="minor">
+              <a:schemeClr val="tx1"/>
+            </a:fontRef>
+          </p:style>
+        </p:cxnSp>
+        <p:pic>
+          <p:nvPicPr>
+            <p:cNvPr id="1028" name="Picture 4" descr="Image result for clock clip art free transparent"/>
+            <p:cNvPicPr>
+              <a:picLocks noChangeAspect="1" noChangeArrowheads="1"/>
+            </p:cNvPicPr>
+            <p:nvPr/>
+          </p:nvPicPr>
+          <p:blipFill>
+            <a:blip r:embed="rId2" cstate="print">
+              <a:extLst>
+                <a:ext uri="{28A0092B-C50C-407E-A947-70E740481C1C}">
+                  <a14:useLocalDpi xmlns:a14="http://schemas.microsoft.com/office/drawing/2010/main" val="0"/>
+                </a:ext>
+              </a:extLst>
+            </a:blip>
+            <a:srcRect/>
+            <a:stretch>
+              <a:fillRect/>
+            </a:stretch>
+          </p:blipFill>
+          <p:spPr bwMode="auto">
+            <a:xfrm>
+              <a:off x="4976674" y="2494619"/>
+              <a:ext cx="670407" cy="846252"/>
+            </a:xfrm>
+            <a:prstGeom prst="rect">
+              <a:avLst/>
+            </a:prstGeom>
+            <a:noFill/>
+            <a:extLst>
+              <a:ext uri="{909E8E84-426E-40DD-AFC4-6F175D3DCCD1}">
+                <a14:hiddenFill xmlns:a14="http://schemas.microsoft.com/office/drawing/2010/main">
+                  <a:solidFill>
+                    <a:srgbClr val="FFFFFF"/>
+                  </a:solidFill>
+                </a14:hiddenFill>
+              </a:ext>
+            </a:extLst>
+          </p:spPr>
+        </p:pic>
+        <p:sp>
+          <p:nvSpPr>
+            <p:cNvPr id="20" name="Rounded Rectangle 19"/>
+            <p:cNvSpPr/>
+            <p:nvPr/>
+          </p:nvSpPr>
+          <p:spPr>
+            <a:xfrm>
+              <a:off x="4892219" y="2414150"/>
+              <a:ext cx="2707639" cy="1023657"/>
+            </a:xfrm>
+            <a:prstGeom prst="roundRect">
+              <a:avLst>
+                <a:gd name="adj" fmla="val 6087"/>
+              </a:avLst>
+            </a:prstGeom>
+            <a:noFill/>
+            <a:ln w="19050">
+              <a:prstDash val="lgDash"/>
+            </a:ln>
+          </p:spPr>
+          <p:style>
+            <a:lnRef idx="2">
+              <a:schemeClr val="accent1">
+                <a:shade val="50000"/>
+              </a:schemeClr>
+            </a:lnRef>
+            <a:fillRef idx="1">
+              <a:schemeClr val="accent1"/>
+            </a:fillRef>
+            <a:effectRef idx="0">
+              <a:schemeClr val="accent1"/>
+            </a:effectRef>
+            <a:fontRef idx="minor">
+              <a:schemeClr val="lt1"/>
+            </a:fontRef>
+          </p:style>
+          <p:txBody>
+            <a:bodyPr rtlCol="0" anchor="ctr"/>
+            <a:lstStyle/>
+            <a:p>
+              <a:pPr algn="ctr"/>
+              <a:endParaRPr lang="en-GB"/>
+            </a:p>
+          </p:txBody>
+        </p:sp>
+        <p:sp>
+          <p:nvSpPr>
+            <p:cNvPr id="21" name="TextBox 20"/>
+            <p:cNvSpPr txBox="1"/>
+            <p:nvPr/>
+          </p:nvSpPr>
+          <p:spPr>
+            <a:xfrm>
+              <a:off x="5715661" y="2560269"/>
+              <a:ext cx="1828082" cy="276999"/>
+            </a:xfrm>
+            <a:prstGeom prst="rect">
+              <a:avLst/>
+            </a:prstGeom>
+            <a:noFill/>
+          </p:spPr>
+          <p:txBody>
+            <a:bodyPr wrap="square" rtlCol="0">
+              <a:spAutoFit/>
+            </a:bodyPr>
+            <a:lstStyle/>
+            <a:p>
+              <a:pPr algn="ctr"/>
+              <a:r>
+                <a:rPr lang="en-GB" sz="1200" b="1" dirty="0" smtClean="0">
+                  <a:latin typeface="Courier New" panose="02070309020205020404" pitchFamily="49" charset="0"/>
+                  <a:cs typeface="Courier New" panose="02070309020205020404" pitchFamily="49" charset="0"/>
+                </a:rPr>
+                <a:t>() =&gt; { ... }</a:t>
+              </a:r>
+              <a:endParaRPr lang="en-GB" sz="1200" dirty="0">
+                <a:latin typeface="Courier New" panose="02070309020205020404" pitchFamily="49" charset="0"/>
+                <a:cs typeface="Courier New" panose="02070309020205020404" pitchFamily="49" charset="0"/>
+              </a:endParaRPr>
+            </a:p>
+          </p:txBody>
+        </p:sp>
+        <p:sp>
+          <p:nvSpPr>
+            <p:cNvPr id="18" name="Rectangle 17"/>
+            <p:cNvSpPr/>
+            <p:nvPr/>
+          </p:nvSpPr>
+          <p:spPr>
+            <a:xfrm>
+              <a:off x="6192723" y="2909243"/>
+              <a:ext cx="873957" cy="369332"/>
+            </a:xfrm>
+            <a:prstGeom prst="rect">
+              <a:avLst/>
+            </a:prstGeom>
+          </p:spPr>
+          <p:txBody>
+            <a:bodyPr wrap="none">
+              <a:spAutoFit/>
+            </a:bodyPr>
+            <a:lstStyle/>
+            <a:p>
+              <a:r>
+                <a:rPr lang="en-GB" dirty="0" smtClean="0">
+                  <a:latin typeface="Courier New" panose="02070309020205020404" pitchFamily="49" charset="0"/>
+                  <a:cs typeface="Courier New" panose="02070309020205020404" pitchFamily="49" charset="0"/>
+                </a:rPr>
+                <a:t>Timer</a:t>
+              </a:r>
+              <a:endParaRPr lang="en-GB" dirty="0"/>
+            </a:p>
+          </p:txBody>
+        </p:sp>
+        <p:cxnSp>
+          <p:nvCxnSpPr>
+            <p:cNvPr id="22" name="Curved Connector 21"/>
+            <p:cNvCxnSpPr>
+              <a:stCxn id="7" idx="0"/>
+              <a:endCxn id="21" idx="0"/>
+            </p:cNvCxnSpPr>
+            <p:nvPr/>
+          </p:nvCxnSpPr>
+          <p:spPr>
+            <a:xfrm rot="16200000" flipH="1">
+              <a:off x="4472356" y="402923"/>
+              <a:ext cx="479302" cy="3835390"/>
+            </a:xfrm>
+            <a:prstGeom prst="curvedConnector3">
+              <a:avLst>
+                <a:gd name="adj1" fmla="val -25834"/>
+              </a:avLst>
+            </a:prstGeom>
+            <a:ln>
+              <a:headEnd type="none" w="med" len="med"/>
+              <a:tailEnd type="triangle" w="med" len="med"/>
+            </a:ln>
+          </p:spPr>
+          <p:style>
+            <a:lnRef idx="1">
+              <a:schemeClr val="dk1"/>
+            </a:lnRef>
+            <a:fillRef idx="0">
+              <a:schemeClr val="dk1"/>
+            </a:fillRef>
+            <a:effectRef idx="0">
+              <a:schemeClr val="dk1"/>
+            </a:effectRef>
+            <a:fontRef idx="minor">
+              <a:schemeClr val="tx1"/>
+            </a:fontRef>
+          </p:style>
+        </p:cxnSp>
+        <p:sp>
+          <p:nvSpPr>
+            <p:cNvPr id="30" name="Rounded Rectangle 29"/>
+            <p:cNvSpPr/>
+            <p:nvPr/>
+          </p:nvSpPr>
+          <p:spPr>
+            <a:xfrm>
+              <a:off x="1040156" y="4114584"/>
+              <a:ext cx="6670806" cy="1686142"/>
+            </a:xfrm>
+            <a:prstGeom prst="roundRect">
+              <a:avLst>
+                <a:gd name="adj" fmla="val 6087"/>
+              </a:avLst>
+            </a:prstGeom>
+            <a:solidFill>
+              <a:schemeClr val="bg1"/>
+            </a:solidFill>
+            <a:ln/>
+          </p:spPr>
+          <p:style>
+            <a:lnRef idx="2">
+              <a:schemeClr val="accent1">
+                <a:shade val="50000"/>
+              </a:schemeClr>
+            </a:lnRef>
+            <a:fillRef idx="1">
+              <a:schemeClr val="accent1"/>
+            </a:fillRef>
+            <a:effectRef idx="0">
+              <a:schemeClr val="accent1"/>
+            </a:effectRef>
+            <a:fontRef idx="minor">
+              <a:schemeClr val="lt1"/>
+            </a:fontRef>
+          </p:style>
+          <p:txBody>
+            <a:bodyPr rtlCol="0" anchor="ctr"/>
+            <a:lstStyle/>
+            <a:p>
+              <a:pPr algn="ctr"/>
+              <a:endParaRPr lang="en-GB"/>
+            </a:p>
+          </p:txBody>
+        </p:sp>
+        <p:sp>
+          <p:nvSpPr>
+            <p:cNvPr id="31" name="TextBox 30"/>
+            <p:cNvSpPr txBox="1"/>
+            <p:nvPr/>
+          </p:nvSpPr>
+          <p:spPr>
+            <a:xfrm>
+              <a:off x="3357017" y="4306512"/>
+              <a:ext cx="2037084" cy="338554"/>
+            </a:xfrm>
+            <a:prstGeom prst="rect">
+              <a:avLst/>
+            </a:prstGeom>
+            <a:noFill/>
+          </p:spPr>
+          <p:txBody>
+            <a:bodyPr wrap="square" rtlCol="0">
+              <a:spAutoFit/>
+            </a:bodyPr>
+            <a:lstStyle/>
+            <a:p>
+              <a:pPr algn="ctr"/>
+              <a:r>
+                <a:rPr lang="en-GB" sz="1600" b="1" dirty="0" smtClean="0">
+                  <a:latin typeface="Courier New" panose="02070309020205020404" pitchFamily="49" charset="0"/>
+                  <a:cs typeface="Courier New" panose="02070309020205020404" pitchFamily="49" charset="0"/>
+                </a:rPr>
+                <a:t>Event Queue</a:t>
+              </a:r>
+              <a:endParaRPr lang="en-GB" sz="1600" b="1" dirty="0" smtClean="0">
+                <a:latin typeface="Courier New" panose="02070309020205020404" pitchFamily="49" charset="0"/>
+                <a:cs typeface="Courier New" panose="02070309020205020404" pitchFamily="49" charset="0"/>
+              </a:endParaRPr>
+            </a:p>
+          </p:txBody>
+        </p:sp>
+        <p:sp>
+          <p:nvSpPr>
+            <p:cNvPr id="33" name="Circular Arrow 32"/>
+            <p:cNvSpPr/>
+            <p:nvPr/>
+          </p:nvSpPr>
+          <p:spPr>
+            <a:xfrm>
+              <a:off x="7855576" y="3197863"/>
+              <a:ext cx="1441340" cy="1447203"/>
+            </a:xfrm>
+            <a:prstGeom prst="circularArrow">
+              <a:avLst>
+                <a:gd name="adj1" fmla="val 6644"/>
+                <a:gd name="adj2" fmla="val 1142319"/>
+                <a:gd name="adj3" fmla="val 19662779"/>
+                <a:gd name="adj4" fmla="val 1908330"/>
+                <a:gd name="adj5" fmla="val 10301"/>
+              </a:avLst>
+            </a:prstGeom>
+          </p:spPr>
+          <p:style>
+            <a:lnRef idx="2">
+              <a:schemeClr val="accent1">
+                <a:shade val="50000"/>
+              </a:schemeClr>
+            </a:lnRef>
+            <a:fillRef idx="1">
+              <a:schemeClr val="accent1"/>
+            </a:fillRef>
+            <a:effectRef idx="0">
+              <a:schemeClr val="accent1"/>
+            </a:effectRef>
+            <a:fontRef idx="minor">
+              <a:schemeClr val="lt1"/>
+            </a:fontRef>
+          </p:style>
+          <p:txBody>
+            <a:bodyPr rtlCol="0" anchor="ctr"/>
+            <a:lstStyle/>
+            <a:p>
+              <a:pPr algn="ctr"/>
+              <a:endParaRPr lang="en-GB">
+                <a:solidFill>
+                  <a:schemeClr val="tx1"/>
+                </a:solidFill>
+              </a:endParaRPr>
+            </a:p>
+          </p:txBody>
+        </p:sp>
+        <p:sp>
+          <p:nvSpPr>
+            <p:cNvPr id="34" name="TextBox 33"/>
+            <p:cNvSpPr txBox="1"/>
+            <p:nvPr/>
+          </p:nvSpPr>
+          <p:spPr>
+            <a:xfrm>
+              <a:off x="8043203" y="3699567"/>
+              <a:ext cx="1092322" cy="461665"/>
+            </a:xfrm>
+            <a:prstGeom prst="rect">
+              <a:avLst/>
+            </a:prstGeom>
+            <a:noFill/>
+          </p:spPr>
+          <p:txBody>
+            <a:bodyPr wrap="square" rtlCol="0">
+              <a:spAutoFit/>
+            </a:bodyPr>
+            <a:lstStyle/>
+            <a:p>
+              <a:pPr algn="ctr"/>
+              <a:r>
+                <a:rPr lang="en-GB" sz="1200" dirty="0" smtClean="0">
+                  <a:latin typeface="Courier New" panose="02070309020205020404" pitchFamily="49" charset="0"/>
+                  <a:cs typeface="Courier New" panose="02070309020205020404" pitchFamily="49" charset="0"/>
+                </a:rPr>
+                <a:t>Event Loop</a:t>
+              </a:r>
+              <a:endParaRPr lang="en-GB" sz="1200" dirty="0">
+                <a:latin typeface="Courier New" panose="02070309020205020404" pitchFamily="49" charset="0"/>
+                <a:cs typeface="Courier New" panose="02070309020205020404" pitchFamily="49" charset="0"/>
+              </a:endParaRPr>
+            </a:p>
+          </p:txBody>
+        </p:sp>
+        <p:sp>
+          <p:nvSpPr>
+            <p:cNvPr id="36" name="Rounded Rectangle 35"/>
+            <p:cNvSpPr/>
+            <p:nvPr/>
+          </p:nvSpPr>
+          <p:spPr>
+            <a:xfrm>
+              <a:off x="1261758" y="4836994"/>
+              <a:ext cx="2095259" cy="824742"/>
+            </a:xfrm>
+            <a:prstGeom prst="roundRect">
+              <a:avLst>
+                <a:gd name="adj" fmla="val 6087"/>
+              </a:avLst>
+            </a:prstGeom>
+            <a:noFill/>
+            <a:ln w="19050">
+              <a:prstDash val="lgDash"/>
+            </a:ln>
+          </p:spPr>
+          <p:style>
+            <a:lnRef idx="2">
+              <a:schemeClr val="accent1">
+                <a:shade val="50000"/>
+              </a:schemeClr>
+            </a:lnRef>
+            <a:fillRef idx="1">
+              <a:schemeClr val="accent1"/>
+            </a:fillRef>
+            <a:effectRef idx="0">
+              <a:schemeClr val="accent1"/>
+            </a:effectRef>
+            <a:fontRef idx="minor">
+              <a:schemeClr val="lt1"/>
+            </a:fontRef>
+          </p:style>
+          <p:txBody>
+            <a:bodyPr rtlCol="0" anchor="ctr"/>
+            <a:lstStyle/>
+            <a:p>
+              <a:pPr algn="ctr"/>
+              <a:endParaRPr lang="en-GB"/>
+            </a:p>
+          </p:txBody>
+        </p:sp>
+        <p:cxnSp>
+          <p:nvCxnSpPr>
+            <p:cNvPr id="35" name="Curved Connector 34"/>
+            <p:cNvCxnSpPr>
+              <a:stCxn id="20" idx="2"/>
+              <a:endCxn id="36" idx="3"/>
+            </p:cNvCxnSpPr>
+            <p:nvPr/>
+          </p:nvCxnSpPr>
+          <p:spPr>
+            <a:xfrm rot="5400000">
+              <a:off x="3895749" y="2899075"/>
+              <a:ext cx="1811558" cy="2889022"/>
+            </a:xfrm>
+            <a:prstGeom prst="curvedConnector2">
+              <a:avLst/>
+            </a:prstGeom>
+            <a:ln>
+              <a:prstDash val="lgDash"/>
+              <a:headEnd type="none" w="med" len="med"/>
+              <a:tailEnd type="triangle" w="med" len="med"/>
+            </a:ln>
+          </p:spPr>
+          <p:style>
+            <a:lnRef idx="1">
+              <a:schemeClr val="dk1"/>
+            </a:lnRef>
+            <a:fillRef idx="0">
+              <a:schemeClr val="dk1"/>
+            </a:fillRef>
+            <a:effectRef idx="0">
+              <a:schemeClr val="dk1"/>
+            </a:effectRef>
+            <a:fontRef idx="minor">
+              <a:schemeClr val="tx1"/>
+            </a:fontRef>
+          </p:style>
+        </p:cxnSp>
+        <p:sp>
+          <p:nvSpPr>
+            <p:cNvPr id="40" name="TextBox 39"/>
+            <p:cNvSpPr txBox="1"/>
+            <p:nvPr/>
+          </p:nvSpPr>
+          <p:spPr>
+            <a:xfrm>
+              <a:off x="1347356" y="5110865"/>
+              <a:ext cx="1828082" cy="276999"/>
+            </a:xfrm>
+            <a:prstGeom prst="rect">
+              <a:avLst/>
+            </a:prstGeom>
+            <a:noFill/>
+          </p:spPr>
+          <p:txBody>
+            <a:bodyPr wrap="square" rtlCol="0">
+              <a:spAutoFit/>
+            </a:bodyPr>
+            <a:lstStyle/>
+            <a:p>
+              <a:pPr algn="ctr"/>
+              <a:r>
+                <a:rPr lang="en-GB" sz="1200" b="1" dirty="0" smtClean="0">
+                  <a:latin typeface="Courier New" panose="02070309020205020404" pitchFamily="49" charset="0"/>
+                  <a:cs typeface="Courier New" panose="02070309020205020404" pitchFamily="49" charset="0"/>
+                </a:rPr>
+                <a:t>() =&gt; { ... }</a:t>
+              </a:r>
+              <a:endParaRPr lang="en-GB" sz="1200" dirty="0">
+                <a:latin typeface="Courier New" panose="02070309020205020404" pitchFamily="49" charset="0"/>
+                <a:cs typeface="Courier New" panose="02070309020205020404" pitchFamily="49" charset="0"/>
+              </a:endParaRPr>
+            </a:p>
+          </p:txBody>
+        </p:sp>
+        <p:sp>
+          <p:nvSpPr>
+            <p:cNvPr id="41" name="TextBox 40"/>
+            <p:cNvSpPr txBox="1"/>
+            <p:nvPr/>
+          </p:nvSpPr>
+          <p:spPr>
+            <a:xfrm>
+              <a:off x="4265482" y="5105487"/>
+              <a:ext cx="2833499" cy="276999"/>
+            </a:xfrm>
+            <a:prstGeom prst="rect">
+              <a:avLst/>
+            </a:prstGeom>
+            <a:noFill/>
+          </p:spPr>
+          <p:txBody>
+            <a:bodyPr wrap="square" rtlCol="0">
+              <a:spAutoFit/>
+            </a:bodyPr>
+            <a:lstStyle/>
+            <a:p>
+              <a:pPr algn="ctr"/>
+              <a:r>
+                <a:rPr lang="en-GB" sz="1200" dirty="0" smtClean="0">
+                  <a:latin typeface="Courier New" panose="02070309020205020404" pitchFamily="49" charset="0"/>
+                  <a:cs typeface="Courier New" panose="02070309020205020404" pitchFamily="49" charset="0"/>
+                </a:rPr>
+                <a:t>After 2 seconds delay</a:t>
+              </a:r>
+              <a:endParaRPr lang="en-GB" sz="1200" dirty="0">
+                <a:latin typeface="Courier New" panose="02070309020205020404" pitchFamily="49" charset="0"/>
+                <a:cs typeface="Courier New" panose="02070309020205020404" pitchFamily="49" charset="0"/>
+              </a:endParaRPr>
+            </a:p>
+          </p:txBody>
+        </p:sp>
+      </p:grpSp>
+    </p:spTree>
+    <p:extLst>
+      <p:ext uri="{BB962C8B-B14F-4D97-AF65-F5344CB8AC3E}">
+        <p14:creationId xmlns:p14="http://schemas.microsoft.com/office/powerpoint/2010/main" val="1402559874"/>
+      </p:ext>
+    </p:extLst>
+  </p:cSld>
+  <p:clrMapOvr>
+    <a:masterClrMapping/>
+  </p:clrMapOvr>
+</p:sld>
+</file>
+
 <file path=ppt/theme/theme1.xml><?xml version="1.0" encoding="utf-8"?>
 <a:theme xmlns:a="http://schemas.openxmlformats.org/drawingml/2006/main" name="Office Theme">
   <a:themeElements>
